--- a/slides/presentation1.pptx
+++ b/slides/presentation1.pptx
@@ -597,6 +597,16 @@
               <a:rPr lang="en-US" dirty="0"/>
               <a:t>&lt;hide&gt;This is also private.&lt;/hide&gt;</a:t>
             </a:r>
+          </a:p>
+          <a:p>
+            <a:endParaRPr lang="en-US" dirty="0"/>
+          </a:p>
+          <a:p>
+            <a:r>
+              <a:rPr lang="en-US"/>
+              <a:t>AAAA &lt;hide&gt; BBBB &lt;/hide&gt; CCCC</a:t>
+            </a:r>
+            <a:endParaRPr lang="en-US" dirty="0"/>
           </a:p>
           <a:p>
             <a:endParaRPr lang="en-US" dirty="0"/>

--- a/slides/presentation1.pptx
+++ b/slides/presentation1.pptx
@@ -198,7 +198,7 @@
           <a:p>
             <a:fld id="{014B4139-9ED6-4A14-A3D3-C92A5417C5ED}" type="datetimeFigureOut">
               <a:rPr lang="en-US" smtClean="0"/>
-              <a:t>5/9/2020</a:t>
+              <a:t>5/12/2020</a:t>
             </a:fld>
             <a:endParaRPr lang="en-US"/>
           </a:p>
@@ -520,7 +520,7 @@
           <a:p>
             <a:r>
               <a:rPr lang="en-US" dirty="0"/>
-              <a:t>&lt;hide&gt;</a:t>
+              <a:t>**</a:t>
             </a:r>
           </a:p>
           <a:p>
@@ -532,7 +532,7 @@
           <a:p>
             <a:r>
               <a:rPr lang="en-US" dirty="0"/>
-              <a:t>&lt;/hide&gt;</a:t>
+              <a:t>**</a:t>
             </a:r>
           </a:p>
           <a:p>
@@ -595,7 +595,7 @@
           <a:p>
             <a:r>
               <a:rPr lang="en-US" dirty="0"/>
-              <a:t>&lt;hide&gt;This is also private.&lt;/hide&gt;</a:t>
+              <a:t>**This is also private.**</a:t>
             </a:r>
           </a:p>
           <a:p>
@@ -604,9 +604,12 @@
           <a:p>
             <a:r>
               <a:rPr lang="en-US"/>
-              <a:t>AAAA &lt;hide&gt; BBBB &lt;/hide&gt; CCCC</a:t>
-            </a:r>
-            <a:endParaRPr lang="en-US" dirty="0"/>
+              <a:t>AAAA  ** BBBB ** </a:t>
+            </a:r>
+            <a:r>
+              <a:rPr lang="en-US" dirty="0"/>
+              <a:t>CCCC</a:t>
+            </a:r>
           </a:p>
           <a:p>
             <a:endParaRPr lang="en-US" dirty="0"/>
@@ -898,7 +901,7 @@
           <a:p>
             <a:fld id="{2ADDFEF9-9DFE-4231-8EBE-29EC188BD3A9}" type="datetimeFigureOut">
               <a:rPr lang="en-US" smtClean="0"/>
-              <a:t>5/9/2020</a:t>
+              <a:t>5/12/2020</a:t>
             </a:fld>
             <a:endParaRPr lang="en-US"/>
           </a:p>
@@ -1096,7 +1099,7 @@
           <a:p>
             <a:fld id="{2ADDFEF9-9DFE-4231-8EBE-29EC188BD3A9}" type="datetimeFigureOut">
               <a:rPr lang="en-US" smtClean="0"/>
-              <a:t>5/9/2020</a:t>
+              <a:t>5/12/2020</a:t>
             </a:fld>
             <a:endParaRPr lang="en-US"/>
           </a:p>
@@ -1304,7 +1307,7 @@
           <a:p>
             <a:fld id="{2ADDFEF9-9DFE-4231-8EBE-29EC188BD3A9}" type="datetimeFigureOut">
               <a:rPr lang="en-US" smtClean="0"/>
-              <a:t>5/9/2020</a:t>
+              <a:t>5/12/2020</a:t>
             </a:fld>
             <a:endParaRPr lang="en-US"/>
           </a:p>
@@ -1502,7 +1505,7 @@
           <a:p>
             <a:fld id="{2ADDFEF9-9DFE-4231-8EBE-29EC188BD3A9}" type="datetimeFigureOut">
               <a:rPr lang="en-US" smtClean="0"/>
-              <a:t>5/9/2020</a:t>
+              <a:t>5/12/2020</a:t>
             </a:fld>
             <a:endParaRPr lang="en-US"/>
           </a:p>
@@ -1777,7 +1780,7 @@
           <a:p>
             <a:fld id="{2ADDFEF9-9DFE-4231-8EBE-29EC188BD3A9}" type="datetimeFigureOut">
               <a:rPr lang="en-US" smtClean="0"/>
-              <a:t>5/9/2020</a:t>
+              <a:t>5/12/2020</a:t>
             </a:fld>
             <a:endParaRPr lang="en-US"/>
           </a:p>
@@ -2042,7 +2045,7 @@
           <a:p>
             <a:fld id="{2ADDFEF9-9DFE-4231-8EBE-29EC188BD3A9}" type="datetimeFigureOut">
               <a:rPr lang="en-US" smtClean="0"/>
-              <a:t>5/9/2020</a:t>
+              <a:t>5/12/2020</a:t>
             </a:fld>
             <a:endParaRPr lang="en-US"/>
           </a:p>
@@ -2454,7 +2457,7 @@
           <a:p>
             <a:fld id="{2ADDFEF9-9DFE-4231-8EBE-29EC188BD3A9}" type="datetimeFigureOut">
               <a:rPr lang="en-US" smtClean="0"/>
-              <a:t>5/9/2020</a:t>
+              <a:t>5/12/2020</a:t>
             </a:fld>
             <a:endParaRPr lang="en-US"/>
           </a:p>
@@ -2595,7 +2598,7 @@
           <a:p>
             <a:fld id="{2ADDFEF9-9DFE-4231-8EBE-29EC188BD3A9}" type="datetimeFigureOut">
               <a:rPr lang="en-US" smtClean="0"/>
-              <a:t>5/9/2020</a:t>
+              <a:t>5/12/2020</a:t>
             </a:fld>
             <a:endParaRPr lang="en-US"/>
           </a:p>
@@ -2708,7 +2711,7 @@
           <a:p>
             <a:fld id="{2ADDFEF9-9DFE-4231-8EBE-29EC188BD3A9}" type="datetimeFigureOut">
               <a:rPr lang="en-US" smtClean="0"/>
-              <a:t>5/9/2020</a:t>
+              <a:t>5/12/2020</a:t>
             </a:fld>
             <a:endParaRPr lang="en-US"/>
           </a:p>
@@ -3019,7 +3022,7 @@
           <a:p>
             <a:fld id="{2ADDFEF9-9DFE-4231-8EBE-29EC188BD3A9}" type="datetimeFigureOut">
               <a:rPr lang="en-US" smtClean="0"/>
-              <a:t>5/9/2020</a:t>
+              <a:t>5/12/2020</a:t>
             </a:fld>
             <a:endParaRPr lang="en-US"/>
           </a:p>
@@ -3307,7 +3310,7 @@
           <a:p>
             <a:fld id="{2ADDFEF9-9DFE-4231-8EBE-29EC188BD3A9}" type="datetimeFigureOut">
               <a:rPr lang="en-US" smtClean="0"/>
-              <a:t>5/9/2020</a:t>
+              <a:t>5/12/2020</a:t>
             </a:fld>
             <a:endParaRPr lang="en-US"/>
           </a:p>
@@ -3548,7 +3551,7 @@
           <a:p>
             <a:fld id="{2ADDFEF9-9DFE-4231-8EBE-29EC188BD3A9}" type="datetimeFigureOut">
               <a:rPr lang="en-US" smtClean="0"/>
-              <a:t>5/9/2020</a:t>
+              <a:t>5/12/2020</a:t>
             </a:fld>
             <a:endParaRPr lang="en-US"/>
           </a:p>
